--- a/figures/huatu.pptx
+++ b/figures/huatu.pptx
@@ -4187,15 +4187,15 @@
         </p:nvSpPr>
         <p:spPr>
           <a:xfrm>
-            <a:off x="1495425" y="889000"/>
-            <a:ext cx="7816850" cy="3542030"/>
+            <a:off x="1525270" y="979170"/>
+            <a:ext cx="7836535" cy="3191510"/>
           </a:xfrm>
           <a:prstGeom prst="rect">
             <a:avLst/>
           </a:prstGeom>
           <a:solidFill>
             <a:schemeClr val="bg2">
-              <a:alpha val="31000"/>
+              <a:alpha val="20000"/>
             </a:schemeClr>
           </a:solidFill>
         </p:spPr>

--- a/figures/huatu.pptx
+++ b/figures/huatu.pptx
@@ -8,6 +8,7 @@
     <p:sldId id="256" r:id="rId3"/>
     <p:sldId id="257" r:id="rId4"/>
     <p:sldId id="258" r:id="rId5"/>
+    <p:sldId id="259" r:id="rId6"/>
   </p:sldIdLst>
   <p:sldSz cx="12192000" cy="6858000"/>
   <p:notesSz cx="6858000" cy="9144000"/>
@@ -2947,10 +2948,10 @@
                         <a:buNone/>
                       </a:pPr>
                       <a:r>
-                        <a:rPr lang="" altLang="en-US" sz="2400"/>
+                        <a:rPr lang="en-US" altLang="en-US" sz="2400"/>
                         <a:t>69</a:t>
                       </a:r>
-                      <a:endParaRPr lang="" altLang="en-US" sz="2400"/>
+                      <a:endParaRPr lang="en-US" altLang="en-US" sz="2400"/>
                     </a:p>
                   </a:txBody>
                   <a:tcPr>
@@ -2994,10 +2995,10 @@
                         <a:buNone/>
                       </a:pPr>
                       <a:r>
-                        <a:rPr lang="" altLang="en-US" sz="2400"/>
+                        <a:rPr lang="en-US" altLang="en-US" sz="2400"/>
                         <a:t>12</a:t>
                       </a:r>
-                      <a:endParaRPr lang="" altLang="en-US" sz="2400"/>
+                      <a:endParaRPr lang="en-US" altLang="en-US" sz="2400"/>
                     </a:p>
                   </a:txBody>
                   <a:tcPr>
@@ -3041,10 +3042,10 @@
                         <a:buNone/>
                       </a:pPr>
                       <a:r>
-                        <a:rPr lang="" altLang="en-US" sz="2400"/>
+                        <a:rPr lang="en-US" altLang="en-US" sz="2400"/>
                         <a:t>19</a:t>
                       </a:r>
-                      <a:endParaRPr lang="" altLang="en-US" sz="2400"/>
+                      <a:endParaRPr lang="en-US" altLang="en-US" sz="2400"/>
                     </a:p>
                   </a:txBody>
                   <a:tcPr>
@@ -3088,10 +3089,10 @@
                         <a:buNone/>
                       </a:pPr>
                       <a:r>
-                        <a:rPr lang="" altLang="en-US" sz="2400"/>
+                        <a:rPr lang="en-US" altLang="en-US" sz="2400"/>
                         <a:t>9</a:t>
                       </a:r>
-                      <a:endParaRPr lang="" altLang="en-US" sz="2400"/>
+                      <a:endParaRPr lang="en-US" altLang="en-US" sz="2400"/>
                     </a:p>
                   </a:txBody>
                   <a:tcPr>
@@ -3137,10 +3138,10 @@
                         <a:buNone/>
                       </a:pPr>
                       <a:r>
-                        <a:rPr lang="" altLang="en-US" sz="2400"/>
+                        <a:rPr lang="en-US" altLang="en-US" sz="2400"/>
                         <a:t>47</a:t>
                       </a:r>
-                      <a:endParaRPr lang="" altLang="en-US" sz="2400"/>
+                      <a:endParaRPr lang="en-US" altLang="en-US" sz="2400"/>
                     </a:p>
                   </a:txBody>
                   <a:tcPr>
@@ -3184,10 +3185,10 @@
                         <a:buNone/>
                       </a:pPr>
                       <a:r>
-                        <a:rPr lang="" altLang="en-US" sz="2400"/>
+                        <a:rPr lang="en-US" altLang="en-US" sz="2400"/>
                         <a:t>39</a:t>
                       </a:r>
-                      <a:endParaRPr lang="" altLang="en-US" sz="2400"/>
+                      <a:endParaRPr lang="en-US" altLang="en-US" sz="2400"/>
                     </a:p>
                   </a:txBody>
                   <a:tcPr>
@@ -3231,10 +3232,10 @@
                         <a:buNone/>
                       </a:pPr>
                       <a:r>
-                        <a:rPr lang="" altLang="en-US" sz="2400"/>
+                        <a:rPr lang="en-US" altLang="en-US" sz="2400"/>
                         <a:t>47</a:t>
                       </a:r>
-                      <a:endParaRPr lang="" altLang="en-US" sz="2400"/>
+                      <a:endParaRPr lang="en-US" altLang="en-US" sz="2400"/>
                     </a:p>
                   </a:txBody>
                   <a:tcPr>
@@ -3278,10 +3279,10 @@
                         <a:buNone/>
                       </a:pPr>
                       <a:r>
-                        <a:rPr lang="" altLang="en-US" sz="2400"/>
+                        <a:rPr lang="en-US" altLang="en-US" sz="2400"/>
                         <a:t>34</a:t>
                       </a:r>
-                      <a:endParaRPr lang="" altLang="en-US" sz="2400"/>
+                      <a:endParaRPr lang="en-US" altLang="en-US" sz="2400"/>
                     </a:p>
                   </a:txBody>
                   <a:tcPr>
@@ -3327,10 +3328,10 @@
                         <a:buNone/>
                       </a:pPr>
                       <a:r>
-                        <a:rPr lang="" altLang="en-US" sz="2400"/>
+                        <a:rPr lang="en-US" altLang="en-US" sz="2400"/>
                         <a:t>40</a:t>
                       </a:r>
-                      <a:endParaRPr lang="" altLang="en-US" sz="2400"/>
+                      <a:endParaRPr lang="en-US" altLang="en-US" sz="2400"/>
                     </a:p>
                   </a:txBody>
                   <a:tcPr>
@@ -3374,10 +3375,10 @@
                         <a:buNone/>
                       </a:pPr>
                       <a:r>
-                        <a:rPr lang="" altLang="en-US" sz="2400"/>
+                        <a:rPr lang="en-US" altLang="en-US" sz="2400"/>
                         <a:t>20</a:t>
                       </a:r>
-                      <a:endParaRPr lang="" altLang="en-US" sz="2400"/>
+                      <a:endParaRPr lang="en-US" altLang="en-US" sz="2400"/>
                     </a:p>
                   </a:txBody>
                   <a:tcPr>
@@ -3421,10 +3422,10 @@
                         <a:buNone/>
                       </a:pPr>
                       <a:r>
-                        <a:rPr lang="" altLang="en-US" sz="2400"/>
+                        <a:rPr lang="en-US" altLang="en-US" sz="2400"/>
                         <a:t>28</a:t>
                       </a:r>
-                      <a:endParaRPr lang="" altLang="en-US" sz="2400"/>
+                      <a:endParaRPr lang="en-US" altLang="en-US" sz="2400"/>
                     </a:p>
                   </a:txBody>
                   <a:tcPr>
@@ -3468,10 +3469,10 @@
                         <a:buNone/>
                       </a:pPr>
                       <a:r>
-                        <a:rPr lang="" altLang="en-US" sz="2400"/>
+                        <a:rPr lang="en-US" altLang="en-US" sz="2400"/>
                         <a:t>15</a:t>
                       </a:r>
-                      <a:endParaRPr lang="" altLang="en-US" sz="2400"/>
+                      <a:endParaRPr lang="en-US" altLang="en-US" sz="2400"/>
                     </a:p>
                   </a:txBody>
                   <a:tcPr>
@@ -3517,10 +3518,10 @@
                         <a:buNone/>
                       </a:pPr>
                       <a:r>
-                        <a:rPr lang="" altLang="en-US" sz="2400"/>
+                        <a:rPr lang="en-US" altLang="en-US" sz="2400"/>
                         <a:t>89</a:t>
                       </a:r>
-                      <a:endParaRPr lang="" altLang="en-US" sz="2400"/>
+                      <a:endParaRPr lang="en-US" altLang="en-US" sz="2400"/>
                     </a:p>
                   </a:txBody>
                   <a:tcPr>
@@ -3564,10 +3565,10 @@
                         <a:buNone/>
                       </a:pPr>
                       <a:r>
-                        <a:rPr lang="" altLang="en-US" sz="2400"/>
+                        <a:rPr lang="en-US" altLang="en-US" sz="2400"/>
                         <a:t>18</a:t>
                       </a:r>
-                      <a:endParaRPr lang="" altLang="en-US" sz="2400"/>
+                      <a:endParaRPr lang="en-US" altLang="en-US" sz="2400"/>
                     </a:p>
                   </a:txBody>
                   <a:tcPr>
@@ -3611,10 +3612,10 @@
                         <a:buNone/>
                       </a:pPr>
                       <a:r>
-                        <a:rPr lang="" altLang="en-US" sz="2400"/>
+                        <a:rPr lang="en-US" altLang="en-US" sz="2400"/>
                         <a:t>21</a:t>
                       </a:r>
-                      <a:endParaRPr lang="" altLang="en-US" sz="2400"/>
+                      <a:endParaRPr lang="en-US" altLang="en-US" sz="2400"/>
                     </a:p>
                   </a:txBody>
                   <a:tcPr>
@@ -3658,10 +3659,10 @@
                         <a:buNone/>
                       </a:pPr>
                       <a:r>
-                        <a:rPr lang="" altLang="en-US" sz="2400"/>
+                        <a:rPr lang="en-US" altLang="en-US" sz="2400"/>
                         <a:t>13</a:t>
                       </a:r>
-                      <a:endParaRPr lang="" altLang="en-US" sz="2400"/>
+                      <a:endParaRPr lang="en-US" altLang="en-US" sz="2400"/>
                     </a:p>
                   </a:txBody>
                   <a:tcPr>
@@ -3707,10 +3708,10 @@
                         <a:buNone/>
                       </a:pPr>
                       <a:r>
-                        <a:rPr lang="" altLang="en-US" sz="2400"/>
+                        <a:rPr lang="en-US" altLang="en-US" sz="2400"/>
                         <a:t>50</a:t>
                       </a:r>
-                      <a:endParaRPr lang="" altLang="en-US" sz="2400"/>
+                      <a:endParaRPr lang="en-US" altLang="en-US" sz="2400"/>
                     </a:p>
                   </a:txBody>
                   <a:tcPr>
@@ -3754,10 +3755,10 @@
                         <a:buNone/>
                       </a:pPr>
                       <a:r>
-                        <a:rPr lang="" altLang="en-US" sz="2400"/>
+                        <a:rPr lang="en-US" altLang="en-US" sz="2400"/>
                         <a:t>38</a:t>
                       </a:r>
-                      <a:endParaRPr lang="" altLang="en-US" sz="2400"/>
+                      <a:endParaRPr lang="en-US" altLang="en-US" sz="2400"/>
                     </a:p>
                   </a:txBody>
                   <a:tcPr>
@@ -3801,10 +3802,10 @@
                         <a:buNone/>
                       </a:pPr>
                       <a:r>
-                        <a:rPr lang="" altLang="en-US" sz="2400"/>
+                        <a:rPr lang="en-US" altLang="en-US" sz="2400"/>
                         <a:t>44</a:t>
                       </a:r>
-                      <a:endParaRPr lang="" altLang="en-US" sz="2400"/>
+                      <a:endParaRPr lang="en-US" altLang="en-US" sz="2400"/>
                     </a:p>
                   </a:txBody>
                   <a:tcPr>
@@ -3848,10 +3849,10 @@
                         <a:buNone/>
                       </a:pPr>
                       <a:r>
-                        <a:rPr lang="" altLang="en-US" sz="2400"/>
+                        <a:rPr lang="en-US" altLang="en-US" sz="2400"/>
                         <a:t>28</a:t>
                       </a:r>
-                      <a:endParaRPr lang="" altLang="en-US" sz="2400"/>
+                      <a:endParaRPr lang="en-US" altLang="en-US" sz="2400"/>
                     </a:p>
                   </a:txBody>
                   <a:tcPr>
@@ -4749,10 +4750,10 @@
           </a:bodyPr>
           <a:p>
             <a:r>
-              <a:rPr lang="" altLang="en-US"/>
+              <a:rPr lang="en-US" altLang="en-US"/>
               <a:t>游动</a:t>
             </a:r>
-            <a:endParaRPr lang="" altLang="en-US"/>
+            <a:endParaRPr lang="en-US" altLang="en-US"/>
           </a:p>
         </p:txBody>
       </p:sp>
@@ -4778,10 +4779,10 @@
           </a:bodyPr>
           <a:p>
             <a:r>
-              <a:rPr lang="" altLang="en-US"/>
+              <a:rPr lang="en-US" altLang="en-US"/>
               <a:t>翻转</a:t>
             </a:r>
-            <a:endParaRPr lang="" altLang="en-US"/>
+            <a:endParaRPr lang="en-US" altLang="en-US"/>
           </a:p>
         </p:txBody>
       </p:sp>
@@ -4807,10 +4808,10 @@
           </a:bodyPr>
           <a:p>
             <a:r>
-              <a:rPr lang="" altLang="en-US"/>
+              <a:rPr lang="en-US" altLang="en-US"/>
               <a:t>细菌</a:t>
             </a:r>
-            <a:endParaRPr lang="" altLang="en-US"/>
+            <a:endParaRPr lang="en-US" altLang="en-US"/>
           </a:p>
         </p:txBody>
       </p:sp>
@@ -4843,6 +4844,403 @@
           </a:p>
         </p:txBody>
       </p:sp>
+    </p:spTree>
+  </p:cSld>
+  <p:clrMapOvr>
+    <a:masterClrMapping/>
+  </p:clrMapOvr>
+</p:sld>
+</file>
+
+<file path=ppt/slides/slide4.xml><?xml version="1.0" encoding="utf-8"?>
+<p:sld xmlns:a="http://schemas.openxmlformats.org/drawingml/2006/main" xmlns:r="http://schemas.openxmlformats.org/officeDocument/2006/relationships" xmlns:p="http://schemas.openxmlformats.org/presentationml/2006/main">
+  <p:cSld>
+    <p:spTree>
+      <p:nvGrpSpPr>
+        <p:cNvPr id="1" name=""/>
+        <p:cNvGrpSpPr/>
+        <p:nvPr/>
+      </p:nvGrpSpPr>
+      <p:grpSpPr/>
+      <p:sp>
+        <p:nvSpPr>
+          <p:cNvPr id="4" name="Rounded Rectangle 3"/>
+          <p:cNvSpPr/>
+          <p:nvPr/>
+        </p:nvSpPr>
+        <p:spPr>
+          <a:xfrm>
+            <a:off x="3491865" y="207010"/>
+            <a:ext cx="1324610" cy="451485"/>
+          </a:xfrm>
+          <a:prstGeom prst="roundRect">
+            <a:avLst/>
+          </a:prstGeom>
+          <a:ln>
+            <a:solidFill>
+              <a:schemeClr val="tx1"/>
+            </a:solidFill>
+          </a:ln>
+        </p:spPr>
+        <p:style>
+          <a:lnRef idx="2">
+            <a:schemeClr val="accent6"/>
+          </a:lnRef>
+          <a:fillRef idx="1">
+            <a:schemeClr val="lt1"/>
+          </a:fillRef>
+          <a:effectRef idx="0">
+            <a:schemeClr val="accent6"/>
+          </a:effectRef>
+          <a:fontRef idx="minor">
+            <a:schemeClr val="dk1"/>
+          </a:fontRef>
+        </p:style>
+        <p:txBody>
+          <a:bodyPr rtlCol="0" anchor="ctr"/>
+          <a:p>
+            <a:pPr algn="ctr"/>
+            <a:r>
+              <a:rPr lang="" altLang="en-US"/>
+              <a:t>开始</a:t>
+            </a:r>
+            <a:endParaRPr lang="" altLang="en-US"/>
+          </a:p>
+        </p:txBody>
+      </p:sp>
+      <p:sp>
+        <p:nvSpPr>
+          <p:cNvPr id="5" name="Rectangle 4"/>
+          <p:cNvSpPr/>
+          <p:nvPr/>
+        </p:nvSpPr>
+        <p:spPr>
+          <a:xfrm>
+            <a:off x="3050540" y="1130300"/>
+            <a:ext cx="2207895" cy="511810"/>
+          </a:xfrm>
+          <a:prstGeom prst="rect">
+            <a:avLst/>
+          </a:prstGeom>
+          <a:ln>
+            <a:solidFill>
+              <a:schemeClr val="tx1"/>
+            </a:solidFill>
+          </a:ln>
+        </p:spPr>
+        <p:style>
+          <a:lnRef idx="2">
+            <a:schemeClr val="accent6"/>
+          </a:lnRef>
+          <a:fillRef idx="1">
+            <a:schemeClr val="lt1"/>
+          </a:fillRef>
+          <a:effectRef idx="0">
+            <a:schemeClr val="accent6"/>
+          </a:effectRef>
+          <a:fontRef idx="minor">
+            <a:schemeClr val="dk1"/>
+          </a:fontRef>
+        </p:style>
+        <p:txBody>
+          <a:bodyPr rtlCol="0" anchor="ctr"/>
+          <a:p>
+            <a:pPr algn="ctr"/>
+            <a:r>
+              <a:rPr lang="" altLang="en-US"/>
+              <a:t>初始化种群</a:t>
+            </a:r>
+            <a:endParaRPr lang="" altLang="en-US"/>
+          </a:p>
+        </p:txBody>
+      </p:sp>
+      <p:sp>
+        <p:nvSpPr>
+          <p:cNvPr id="6" name="Rectangle 5"/>
+          <p:cNvSpPr/>
+          <p:nvPr/>
+        </p:nvSpPr>
+        <p:spPr>
+          <a:xfrm>
+            <a:off x="3050540" y="2070100"/>
+            <a:ext cx="2207895" cy="511810"/>
+          </a:xfrm>
+          <a:prstGeom prst="rect">
+            <a:avLst/>
+          </a:prstGeom>
+          <a:ln>
+            <a:solidFill>
+              <a:schemeClr val="tx1"/>
+            </a:solidFill>
+          </a:ln>
+        </p:spPr>
+        <p:style>
+          <a:lnRef idx="2">
+            <a:schemeClr val="accent6"/>
+          </a:lnRef>
+          <a:fillRef idx="1">
+            <a:schemeClr val="lt1"/>
+          </a:fillRef>
+          <a:effectRef idx="0">
+            <a:schemeClr val="accent6"/>
+          </a:effectRef>
+          <a:fontRef idx="minor">
+            <a:schemeClr val="dk1"/>
+          </a:fontRef>
+        </p:style>
+        <p:txBody>
+          <a:bodyPr rtlCol="0" anchor="ctr"/>
+          <a:p>
+            <a:pPr algn="ctr"/>
+            <a:r>
+              <a:rPr lang="" altLang="en-US"/>
+              <a:t>计算适应值</a:t>
+            </a:r>
+            <a:endParaRPr lang="" altLang="en-US"/>
+          </a:p>
+        </p:txBody>
+      </p:sp>
+      <p:sp>
+        <p:nvSpPr>
+          <p:cNvPr id="7" name="Rectangle 6"/>
+          <p:cNvSpPr/>
+          <p:nvPr/>
+        </p:nvSpPr>
+        <p:spPr>
+          <a:xfrm>
+            <a:off x="2654935" y="3173095"/>
+            <a:ext cx="2999740" cy="511810"/>
+          </a:xfrm>
+          <a:prstGeom prst="rect">
+            <a:avLst/>
+          </a:prstGeom>
+          <a:ln>
+            <a:solidFill>
+              <a:schemeClr val="tx1"/>
+            </a:solidFill>
+          </a:ln>
+        </p:spPr>
+        <p:style>
+          <a:lnRef idx="2">
+            <a:schemeClr val="accent6"/>
+          </a:lnRef>
+          <a:fillRef idx="1">
+            <a:schemeClr val="lt1"/>
+          </a:fillRef>
+          <a:effectRef idx="0">
+            <a:schemeClr val="accent6"/>
+          </a:effectRef>
+          <a:fontRef idx="minor">
+            <a:schemeClr val="dk1"/>
+          </a:fontRef>
+        </p:style>
+        <p:txBody>
+          <a:bodyPr rtlCol="0" anchor="ctr"/>
+          <a:p>
+            <a:pPr algn="ctr"/>
+            <a:r>
+              <a:rPr lang="" altLang="en-US"/>
+              <a:t>更新pbest, gbest等参数</a:t>
+            </a:r>
+            <a:endParaRPr lang="" altLang="en-US"/>
+          </a:p>
+        </p:txBody>
+      </p:sp>
+      <p:sp>
+        <p:nvSpPr>
+          <p:cNvPr id="8" name="Diamond 7"/>
+          <p:cNvSpPr/>
+          <p:nvPr/>
+        </p:nvSpPr>
+        <p:spPr>
+          <a:xfrm>
+            <a:off x="2468880" y="4050665"/>
+            <a:ext cx="3371850" cy="1374140"/>
+          </a:xfrm>
+          <a:prstGeom prst="diamond">
+            <a:avLst/>
+          </a:prstGeom>
+          <a:ln>
+            <a:solidFill>
+              <a:schemeClr val="tx1"/>
+            </a:solidFill>
+          </a:ln>
+        </p:spPr>
+        <p:style>
+          <a:lnRef idx="2">
+            <a:schemeClr val="accent6"/>
+          </a:lnRef>
+          <a:fillRef idx="1">
+            <a:schemeClr val="lt1"/>
+          </a:fillRef>
+          <a:effectRef idx="0">
+            <a:schemeClr val="accent6"/>
+          </a:effectRef>
+          <a:fontRef idx="minor">
+            <a:schemeClr val="dk1"/>
+          </a:fontRef>
+        </p:style>
+        <p:txBody>
+          <a:bodyPr rtlCol="0" anchor="ctr"/>
+          <a:p>
+            <a:pPr algn="ctr"/>
+            <a:r>
+              <a:rPr lang="" altLang="en-US"/>
+              <a:t>达到最大次数或全局最优满足条件？</a:t>
+            </a:r>
+            <a:endParaRPr lang="" altLang="en-US"/>
+          </a:p>
+        </p:txBody>
+      </p:sp>
+      <p:cxnSp>
+        <p:nvCxnSpPr>
+          <p:cNvPr id="10" name="Straight Arrow Connector 9"/>
+          <p:cNvCxnSpPr>
+            <a:stCxn id="4" idx="2"/>
+            <a:endCxn id="5" idx="0"/>
+          </p:cNvCxnSpPr>
+          <p:nvPr/>
+        </p:nvCxnSpPr>
+        <p:spPr>
+          <a:xfrm>
+            <a:off x="4154170" y="658495"/>
+            <a:ext cx="635" cy="471805"/>
+          </a:xfrm>
+          <a:prstGeom prst="straightConnector1">
+            <a:avLst/>
+          </a:prstGeom>
+          <a:ln>
+            <a:solidFill>
+              <a:schemeClr val="tx1"/>
+            </a:solidFill>
+            <a:tailEnd type="arrow"/>
+          </a:ln>
+        </p:spPr>
+        <p:style>
+          <a:lnRef idx="1">
+            <a:schemeClr val="accent1"/>
+          </a:lnRef>
+          <a:fillRef idx="0">
+            <a:schemeClr val="accent1"/>
+          </a:fillRef>
+          <a:effectRef idx="0">
+            <a:schemeClr val="accent1"/>
+          </a:effectRef>
+          <a:fontRef idx="minor">
+            <a:schemeClr val="tx1"/>
+          </a:fontRef>
+        </p:style>
+      </p:cxnSp>
+      <p:cxnSp>
+        <p:nvCxnSpPr>
+          <p:cNvPr id="11" name="Straight Arrow Connector 10"/>
+          <p:cNvCxnSpPr/>
+          <p:nvPr/>
+        </p:nvCxnSpPr>
+        <p:spPr>
+          <a:xfrm>
+            <a:off x="4153535" y="1642110"/>
+            <a:ext cx="635" cy="471805"/>
+          </a:xfrm>
+          <a:prstGeom prst="straightConnector1">
+            <a:avLst/>
+          </a:prstGeom>
+          <a:ln>
+            <a:solidFill>
+              <a:schemeClr val="tx1"/>
+            </a:solidFill>
+            <a:tailEnd type="arrow"/>
+          </a:ln>
+        </p:spPr>
+        <p:style>
+          <a:lnRef idx="1">
+            <a:schemeClr val="accent1"/>
+          </a:lnRef>
+          <a:fillRef idx="0">
+            <a:schemeClr val="accent1"/>
+          </a:fillRef>
+          <a:effectRef idx="0">
+            <a:schemeClr val="accent1"/>
+          </a:effectRef>
+          <a:fontRef idx="minor">
+            <a:schemeClr val="tx1"/>
+          </a:fontRef>
+        </p:style>
+      </p:cxnSp>
+      <p:cxnSp>
+        <p:nvCxnSpPr>
+          <p:cNvPr id="12" name="Straight Arrow Connector 11"/>
+          <p:cNvCxnSpPr>
+            <a:endCxn id="7" idx="0"/>
+          </p:cNvCxnSpPr>
+          <p:nvPr/>
+        </p:nvCxnSpPr>
+        <p:spPr>
+          <a:xfrm>
+            <a:off x="4152900" y="2581910"/>
+            <a:ext cx="1905" cy="591185"/>
+          </a:xfrm>
+          <a:prstGeom prst="straightConnector1">
+            <a:avLst/>
+          </a:prstGeom>
+          <a:ln>
+            <a:solidFill>
+              <a:schemeClr val="tx1"/>
+            </a:solidFill>
+            <a:tailEnd type="arrow"/>
+          </a:ln>
+        </p:spPr>
+        <p:style>
+          <a:lnRef idx="1">
+            <a:schemeClr val="accent1"/>
+          </a:lnRef>
+          <a:fillRef idx="0">
+            <a:schemeClr val="accent1"/>
+          </a:fillRef>
+          <a:effectRef idx="0">
+            <a:schemeClr val="accent1"/>
+          </a:effectRef>
+          <a:fontRef idx="minor">
+            <a:schemeClr val="tx1"/>
+          </a:fontRef>
+        </p:style>
+      </p:cxnSp>
+      <p:cxnSp>
+        <p:nvCxnSpPr>
+          <p:cNvPr id="13" name="Straight Arrow Connector 12"/>
+          <p:cNvCxnSpPr/>
+          <p:nvPr/>
+        </p:nvCxnSpPr>
+        <p:spPr>
+          <a:xfrm flipH="1">
+            <a:off x="4152900" y="3679190"/>
+            <a:ext cx="1270" cy="371475"/>
+          </a:xfrm>
+          <a:prstGeom prst="straightConnector1">
+            <a:avLst/>
+          </a:prstGeom>
+          <a:ln>
+            <a:solidFill>
+              <a:schemeClr val="tx1"/>
+            </a:solidFill>
+            <a:tailEnd type="arrow"/>
+          </a:ln>
+        </p:spPr>
+        <p:style>
+          <a:lnRef idx="1">
+            <a:schemeClr val="accent1"/>
+          </a:lnRef>
+          <a:fillRef idx="0">
+            <a:schemeClr val="accent1"/>
+          </a:fillRef>
+          <a:effectRef idx="0">
+            <a:schemeClr val="accent1"/>
+          </a:effectRef>
+          <a:fontRef idx="minor">
+            <a:schemeClr val="tx1"/>
+          </a:fontRef>
+        </p:style>
+      </p:cxnSp>
     </p:spTree>
   </p:cSld>
   <p:clrMapOvr>

--- a/figures/huatu.pptx
+++ b/figures/huatu.pptx
@@ -4862,385 +4862,779 @@
         <p:nvPr/>
       </p:nvGrpSpPr>
       <p:grpSpPr/>
-      <p:sp>
-        <p:nvSpPr>
-          <p:cNvPr id="4" name="Rounded Rectangle 3"/>
-          <p:cNvSpPr/>
+      <p:graphicFrame>
+        <p:nvGraphicFramePr>
+          <p:cNvPr id="3" name="Table 2"/>
+          <p:cNvGraphicFramePr/>
           <p:nvPr/>
-        </p:nvSpPr>
-        <p:spPr>
-          <a:xfrm>
-            <a:off x="3491865" y="207010"/>
-            <a:ext cx="1324610" cy="451485"/>
-          </a:xfrm>
-          <a:prstGeom prst="roundRect">
-            <a:avLst/>
-          </a:prstGeom>
-          <a:ln>
-            <a:solidFill>
-              <a:schemeClr val="tx1"/>
-            </a:solidFill>
-          </a:ln>
-        </p:spPr>
-        <p:style>
-          <a:lnRef idx="2">
-            <a:schemeClr val="accent6"/>
-          </a:lnRef>
-          <a:fillRef idx="1">
-            <a:schemeClr val="lt1"/>
-          </a:fillRef>
-          <a:effectRef idx="0">
-            <a:schemeClr val="accent6"/>
-          </a:effectRef>
-          <a:fontRef idx="minor">
-            <a:schemeClr val="dk1"/>
-          </a:fontRef>
-        </p:style>
-        <p:txBody>
-          <a:bodyPr rtlCol="0" anchor="ctr"/>
-          <a:p>
-            <a:pPr algn="ctr"/>
-            <a:r>
-              <a:rPr lang="" altLang="en-US"/>
-              <a:t>开始</a:t>
-            </a:r>
-            <a:endParaRPr lang="" altLang="en-US"/>
-          </a:p>
-        </p:txBody>
-      </p:sp>
-      <p:sp>
-        <p:nvSpPr>
-          <p:cNvPr id="5" name="Rectangle 4"/>
-          <p:cNvSpPr/>
-          <p:nvPr/>
-        </p:nvSpPr>
-        <p:spPr>
-          <a:xfrm>
-            <a:off x="3050540" y="1130300"/>
-            <a:ext cx="2207895" cy="511810"/>
-          </a:xfrm>
-          <a:prstGeom prst="rect">
-            <a:avLst/>
-          </a:prstGeom>
-          <a:ln>
-            <a:solidFill>
-              <a:schemeClr val="tx1"/>
-            </a:solidFill>
-          </a:ln>
-        </p:spPr>
-        <p:style>
-          <a:lnRef idx="2">
-            <a:schemeClr val="accent6"/>
-          </a:lnRef>
-          <a:fillRef idx="1">
-            <a:schemeClr val="lt1"/>
-          </a:fillRef>
-          <a:effectRef idx="0">
-            <a:schemeClr val="accent6"/>
-          </a:effectRef>
-          <a:fontRef idx="minor">
-            <a:schemeClr val="dk1"/>
-          </a:fontRef>
-        </p:style>
-        <p:txBody>
-          <a:bodyPr rtlCol="0" anchor="ctr"/>
-          <a:p>
-            <a:pPr algn="ctr"/>
-            <a:r>
-              <a:rPr lang="" altLang="en-US"/>
-              <a:t>初始化种群</a:t>
-            </a:r>
-            <a:endParaRPr lang="" altLang="en-US"/>
-          </a:p>
-        </p:txBody>
-      </p:sp>
-      <p:sp>
-        <p:nvSpPr>
-          <p:cNvPr id="6" name="Rectangle 5"/>
-          <p:cNvSpPr/>
-          <p:nvPr/>
-        </p:nvSpPr>
-        <p:spPr>
-          <a:xfrm>
-            <a:off x="3050540" y="2070100"/>
-            <a:ext cx="2207895" cy="511810"/>
-          </a:xfrm>
-          <a:prstGeom prst="rect">
-            <a:avLst/>
-          </a:prstGeom>
-          <a:ln>
-            <a:solidFill>
-              <a:schemeClr val="tx1"/>
-            </a:solidFill>
-          </a:ln>
-        </p:spPr>
-        <p:style>
-          <a:lnRef idx="2">
-            <a:schemeClr val="accent6"/>
-          </a:lnRef>
-          <a:fillRef idx="1">
-            <a:schemeClr val="lt1"/>
-          </a:fillRef>
-          <a:effectRef idx="0">
-            <a:schemeClr val="accent6"/>
-          </a:effectRef>
-          <a:fontRef idx="minor">
-            <a:schemeClr val="dk1"/>
-          </a:fontRef>
-        </p:style>
-        <p:txBody>
-          <a:bodyPr rtlCol="0" anchor="ctr"/>
-          <a:p>
-            <a:pPr algn="ctr"/>
-            <a:r>
-              <a:rPr lang="" altLang="en-US"/>
-              <a:t>计算适应值</a:t>
-            </a:r>
-            <a:endParaRPr lang="" altLang="en-US"/>
-          </a:p>
-        </p:txBody>
-      </p:sp>
-      <p:sp>
-        <p:nvSpPr>
-          <p:cNvPr id="7" name="Rectangle 6"/>
-          <p:cNvSpPr/>
-          <p:nvPr/>
-        </p:nvSpPr>
-        <p:spPr>
-          <a:xfrm>
-            <a:off x="2654935" y="3173095"/>
-            <a:ext cx="2999740" cy="511810"/>
-          </a:xfrm>
-          <a:prstGeom prst="rect">
-            <a:avLst/>
-          </a:prstGeom>
-          <a:ln>
-            <a:solidFill>
-              <a:schemeClr val="tx1"/>
-            </a:solidFill>
-          </a:ln>
-        </p:spPr>
-        <p:style>
-          <a:lnRef idx="2">
-            <a:schemeClr val="accent6"/>
-          </a:lnRef>
-          <a:fillRef idx="1">
-            <a:schemeClr val="lt1"/>
-          </a:fillRef>
-          <a:effectRef idx="0">
-            <a:schemeClr val="accent6"/>
-          </a:effectRef>
-          <a:fontRef idx="minor">
-            <a:schemeClr val="dk1"/>
-          </a:fontRef>
-        </p:style>
-        <p:txBody>
-          <a:bodyPr rtlCol="0" anchor="ctr"/>
-          <a:p>
-            <a:pPr algn="ctr"/>
-            <a:r>
-              <a:rPr lang="" altLang="en-US"/>
-              <a:t>更新pbest, gbest等参数</a:t>
-            </a:r>
-            <a:endParaRPr lang="" altLang="en-US"/>
-          </a:p>
-        </p:txBody>
-      </p:sp>
-      <p:sp>
-        <p:nvSpPr>
-          <p:cNvPr id="8" name="Diamond 7"/>
-          <p:cNvSpPr/>
-          <p:nvPr/>
-        </p:nvSpPr>
-        <p:spPr>
-          <a:xfrm>
-            <a:off x="2468880" y="4050665"/>
-            <a:ext cx="3371850" cy="1374140"/>
-          </a:xfrm>
-          <a:prstGeom prst="diamond">
-            <a:avLst/>
-          </a:prstGeom>
-          <a:ln>
-            <a:solidFill>
-              <a:schemeClr val="tx1"/>
-            </a:solidFill>
-          </a:ln>
-        </p:spPr>
-        <p:style>
-          <a:lnRef idx="2">
-            <a:schemeClr val="accent6"/>
-          </a:lnRef>
-          <a:fillRef idx="1">
-            <a:schemeClr val="lt1"/>
-          </a:fillRef>
-          <a:effectRef idx="0">
-            <a:schemeClr val="accent6"/>
-          </a:effectRef>
-          <a:fontRef idx="minor">
-            <a:schemeClr val="dk1"/>
-          </a:fontRef>
-        </p:style>
-        <p:txBody>
-          <a:bodyPr rtlCol="0" anchor="ctr"/>
-          <a:p>
-            <a:pPr algn="ctr"/>
-            <a:r>
-              <a:rPr lang="" altLang="en-US"/>
-              <a:t>达到最大次数或全局最优满足条件？</a:t>
-            </a:r>
-            <a:endParaRPr lang="" altLang="en-US"/>
-          </a:p>
-        </p:txBody>
-      </p:sp>
-      <p:cxnSp>
-        <p:nvCxnSpPr>
-          <p:cNvPr id="10" name="Straight Arrow Connector 9"/>
-          <p:cNvCxnSpPr>
-            <a:stCxn id="4" idx="2"/>
-            <a:endCxn id="5" idx="0"/>
-          </p:cNvCxnSpPr>
-          <p:nvPr/>
-        </p:nvCxnSpPr>
-        <p:spPr>
-          <a:xfrm>
-            <a:off x="4154170" y="658495"/>
-            <a:ext cx="635" cy="471805"/>
-          </a:xfrm>
-          <a:prstGeom prst="straightConnector1">
-            <a:avLst/>
-          </a:prstGeom>
-          <a:ln>
-            <a:solidFill>
-              <a:schemeClr val="tx1"/>
-            </a:solidFill>
-            <a:tailEnd type="arrow"/>
-          </a:ln>
-        </p:spPr>
-        <p:style>
-          <a:lnRef idx="1">
-            <a:schemeClr val="accent1"/>
-          </a:lnRef>
-          <a:fillRef idx="0">
-            <a:schemeClr val="accent1"/>
-          </a:fillRef>
-          <a:effectRef idx="0">
-            <a:schemeClr val="accent1"/>
-          </a:effectRef>
-          <a:fontRef idx="minor">
-            <a:schemeClr val="tx1"/>
-          </a:fontRef>
-        </p:style>
-      </p:cxnSp>
-      <p:cxnSp>
-        <p:nvCxnSpPr>
-          <p:cNvPr id="11" name="Straight Arrow Connector 10"/>
-          <p:cNvCxnSpPr/>
-          <p:nvPr/>
-        </p:nvCxnSpPr>
-        <p:spPr>
-          <a:xfrm>
-            <a:off x="4153535" y="1642110"/>
-            <a:ext cx="635" cy="471805"/>
-          </a:xfrm>
-          <a:prstGeom prst="straightConnector1">
-            <a:avLst/>
-          </a:prstGeom>
-          <a:ln>
-            <a:solidFill>
-              <a:schemeClr val="tx1"/>
-            </a:solidFill>
-            <a:tailEnd type="arrow"/>
-          </a:ln>
-        </p:spPr>
-        <p:style>
-          <a:lnRef idx="1">
-            <a:schemeClr val="accent1"/>
-          </a:lnRef>
-          <a:fillRef idx="0">
-            <a:schemeClr val="accent1"/>
-          </a:fillRef>
-          <a:effectRef idx="0">
-            <a:schemeClr val="accent1"/>
-          </a:effectRef>
-          <a:fontRef idx="minor">
-            <a:schemeClr val="tx1"/>
-          </a:fontRef>
-        </p:style>
-      </p:cxnSp>
-      <p:cxnSp>
-        <p:nvCxnSpPr>
-          <p:cNvPr id="12" name="Straight Arrow Connector 11"/>
-          <p:cNvCxnSpPr>
-            <a:endCxn id="7" idx="0"/>
-          </p:cNvCxnSpPr>
-          <p:nvPr/>
-        </p:nvCxnSpPr>
-        <p:spPr>
-          <a:xfrm>
-            <a:off x="4152900" y="2581910"/>
-            <a:ext cx="1905" cy="591185"/>
-          </a:xfrm>
-          <a:prstGeom prst="straightConnector1">
-            <a:avLst/>
-          </a:prstGeom>
-          <a:ln>
-            <a:solidFill>
-              <a:schemeClr val="tx1"/>
-            </a:solidFill>
-            <a:tailEnd type="arrow"/>
-          </a:ln>
-        </p:spPr>
-        <p:style>
-          <a:lnRef idx="1">
-            <a:schemeClr val="accent1"/>
-          </a:lnRef>
-          <a:fillRef idx="0">
-            <a:schemeClr val="accent1"/>
-          </a:fillRef>
-          <a:effectRef idx="0">
-            <a:schemeClr val="accent1"/>
-          </a:effectRef>
-          <a:fontRef idx="minor">
-            <a:schemeClr val="tx1"/>
-          </a:fontRef>
-        </p:style>
-      </p:cxnSp>
-      <p:cxnSp>
-        <p:nvCxnSpPr>
-          <p:cNvPr id="13" name="Straight Arrow Connector 12"/>
-          <p:cNvCxnSpPr/>
-          <p:nvPr/>
-        </p:nvCxnSpPr>
-        <p:spPr>
-          <a:xfrm flipH="1">
-            <a:off x="4152900" y="3679190"/>
-            <a:ext cx="1270" cy="371475"/>
-          </a:xfrm>
-          <a:prstGeom prst="straightConnector1">
-            <a:avLst/>
-          </a:prstGeom>
-          <a:ln>
-            <a:solidFill>
-              <a:schemeClr val="tx1"/>
-            </a:solidFill>
-            <a:tailEnd type="arrow"/>
-          </a:ln>
-        </p:spPr>
-        <p:style>
-          <a:lnRef idx="1">
-            <a:schemeClr val="accent1"/>
-          </a:lnRef>
-          <a:fillRef idx="0">
-            <a:schemeClr val="accent1"/>
-          </a:fillRef>
-          <a:effectRef idx="0">
-            <a:schemeClr val="accent1"/>
-          </a:effectRef>
-          <a:fontRef idx="minor">
-            <a:schemeClr val="tx1"/>
-          </a:fontRef>
-        </p:style>
-      </p:cxnSp>
+        </p:nvGraphicFramePr>
+        <p:xfrm>
+          <a:off x="1828800" y="2095500"/>
+          <a:ext cx="8534400" cy="2667000"/>
+        </p:xfrm>
+        <a:graphic>
+          <a:graphicData uri="http://schemas.openxmlformats.org/drawingml/2006/table">
+            <a:tbl>
+              <a:tblPr firstRow="1" bandRow="1">
+                <a:tableStyleId>{5940675A-B579-460E-94D1-54222C63F5DA}</a:tableStyleId>
+              </a:tblPr>
+              <a:tblGrid>
+                <a:gridCol w="1219200"/>
+                <a:gridCol w="1219200"/>
+                <a:gridCol w="1219200"/>
+                <a:gridCol w="1219200"/>
+                <a:gridCol w="1219200"/>
+                <a:gridCol w="1219200"/>
+                <a:gridCol w="1219200"/>
+              </a:tblGrid>
+              <a:tr h="381000">
+                <a:tc>
+                  <a:txBody>
+                    <a:bodyPr/>
+                    <a:p>
+                      <a:pPr>
+                        <a:buNone/>
+                      </a:pPr>
+                      <a:endParaRPr lang="en-US"/>
+                    </a:p>
+                  </a:txBody>
+                  <a:tcPr/>
+                </a:tc>
+                <a:tc>
+                  <a:txBody>
+                    <a:bodyPr/>
+                    <a:p>
+                      <a:pPr>
+                        <a:buNone/>
+                      </a:pPr>
+                      <a:r>
+                        <a:rPr lang="" altLang="en-US"/>
+                        <a:t>条件1</a:t>
+                      </a:r>
+                      <a:endParaRPr lang="" altLang="en-US"/>
+                    </a:p>
+                  </a:txBody>
+                  <a:tcPr/>
+                </a:tc>
+                <a:tc>
+                  <a:txBody>
+                    <a:bodyPr/>
+                    <a:p>
+                      <a:pPr>
+                        <a:buNone/>
+                      </a:pPr>
+                      <a:r>
+                        <a:rPr lang="en-US" altLang="en-US" sz="1800">
+                          <a:sym typeface="+mn-ea"/>
+                        </a:rPr>
+                        <a:t>条件</a:t>
+                      </a:r>
+                      <a:r>
+                        <a:rPr lang="" altLang="en-US" sz="1800">
+                          <a:sym typeface="+mn-ea"/>
+                        </a:rPr>
+                        <a:t>2</a:t>
+                      </a:r>
+                      <a:endParaRPr lang="" altLang="en-US" sz="1800">
+                        <a:sym typeface="+mn-ea"/>
+                      </a:endParaRPr>
+                    </a:p>
+                  </a:txBody>
+                  <a:tcPr/>
+                </a:tc>
+                <a:tc>
+                  <a:txBody>
+                    <a:bodyPr/>
+                    <a:p>
+                      <a:pPr>
+                        <a:buNone/>
+                      </a:pPr>
+                      <a:r>
+                        <a:rPr lang="en-US" altLang="en-US" sz="1800">
+                          <a:sym typeface="+mn-ea"/>
+                        </a:rPr>
+                        <a:t>条件</a:t>
+                      </a:r>
+                      <a:r>
+                        <a:rPr lang="" altLang="en-US" sz="1800">
+                          <a:sym typeface="+mn-ea"/>
+                        </a:rPr>
+                        <a:t>...</a:t>
+                      </a:r>
+                      <a:endParaRPr lang="" altLang="en-US" sz="1800">
+                        <a:sym typeface="+mn-ea"/>
+                      </a:endParaRPr>
+                    </a:p>
+                  </a:txBody>
+                  <a:tcPr/>
+                </a:tc>
+                <a:tc>
+                  <a:txBody>
+                    <a:bodyPr/>
+                    <a:p>
+                      <a:pPr>
+                        <a:buNone/>
+                      </a:pPr>
+                      <a:r>
+                        <a:rPr lang="en-US" altLang="en-US" sz="1800">
+                          <a:sym typeface="+mn-ea"/>
+                        </a:rPr>
+                        <a:t>条件</a:t>
+                      </a:r>
+                      <a:r>
+                        <a:rPr lang="" altLang="en-US" sz="1800">
+                          <a:sym typeface="+mn-ea"/>
+                        </a:rPr>
+                        <a:t>j</a:t>
+                      </a:r>
+                      <a:endParaRPr lang="" altLang="en-US" sz="1800">
+                        <a:sym typeface="+mn-ea"/>
+                      </a:endParaRPr>
+                    </a:p>
+                  </a:txBody>
+                  <a:tcPr/>
+                </a:tc>
+                <a:tc>
+                  <a:txBody>
+                    <a:bodyPr/>
+                    <a:p>
+                      <a:pPr>
+                        <a:buNone/>
+                      </a:pPr>
+                      <a:r>
+                        <a:rPr lang="en-US" altLang="en-US" sz="1800">
+                          <a:sym typeface="+mn-ea"/>
+                        </a:rPr>
+                        <a:t>条件</a:t>
+                      </a:r>
+                      <a:r>
+                        <a:rPr lang="" altLang="en-US" sz="1800">
+                          <a:sym typeface="+mn-ea"/>
+                        </a:rPr>
+                        <a:t>...</a:t>
+                      </a:r>
+                      <a:endParaRPr lang="" altLang="en-US" sz="1800">
+                        <a:sym typeface="+mn-ea"/>
+                      </a:endParaRPr>
+                    </a:p>
+                  </a:txBody>
+                  <a:tcPr/>
+                </a:tc>
+                <a:tc>
+                  <a:txBody>
+                    <a:bodyPr/>
+                    <a:p>
+                      <a:pPr>
+                        <a:buNone/>
+                      </a:pPr>
+                      <a:r>
+                        <a:rPr lang="en-US" altLang="en-US" sz="1800">
+                          <a:sym typeface="+mn-ea"/>
+                        </a:rPr>
+                        <a:t>条件</a:t>
+                      </a:r>
+                      <a:r>
+                        <a:rPr lang="" altLang="en-US" sz="1800">
+                          <a:sym typeface="+mn-ea"/>
+                        </a:rPr>
+                        <a:t>m</a:t>
+                      </a:r>
+                      <a:endParaRPr lang="" altLang="en-US" sz="1800">
+                        <a:sym typeface="+mn-ea"/>
+                      </a:endParaRPr>
+                    </a:p>
+                  </a:txBody>
+                  <a:tcPr/>
+                </a:tc>
+              </a:tr>
+              <a:tr h="381000">
+                <a:tc>
+                  <a:txBody>
+                    <a:bodyPr/>
+                    <a:p>
+                      <a:pPr>
+                        <a:buNone/>
+                      </a:pPr>
+                      <a:r>
+                        <a:rPr lang="" altLang="en-US"/>
+                        <a:t>基因1</a:t>
+                      </a:r>
+                      <a:endParaRPr lang="" altLang="en-US"/>
+                    </a:p>
+                  </a:txBody>
+                  <a:tcPr/>
+                </a:tc>
+                <a:tc>
+                  <a:txBody>
+                    <a:bodyPr/>
+                    <a:p>
+                      <a:pPr>
+                        <a:buNone/>
+                      </a:pPr>
+                      <a:r>
+                        <a:rPr lang="" altLang="en-US"/>
+                        <a:t>e_11</a:t>
+                      </a:r>
+                      <a:endParaRPr lang="" altLang="en-US"/>
+                    </a:p>
+                  </a:txBody>
+                  <a:tcPr/>
+                </a:tc>
+                <a:tc>
+                  <a:txBody>
+                    <a:bodyPr/>
+                    <a:p>
+                      <a:pPr>
+                        <a:buNone/>
+                      </a:pPr>
+                      <a:endParaRPr lang="en-US"/>
+                    </a:p>
+                  </a:txBody>
+                  <a:tcPr/>
+                </a:tc>
+                <a:tc>
+                  <a:txBody>
+                    <a:bodyPr/>
+                    <a:p>
+                      <a:pPr>
+                        <a:buNone/>
+                      </a:pPr>
+                      <a:endParaRPr lang="en-US"/>
+                    </a:p>
+                  </a:txBody>
+                  <a:tcPr/>
+                </a:tc>
+                <a:tc>
+                  <a:txBody>
+                    <a:bodyPr/>
+                    <a:p>
+                      <a:pPr>
+                        <a:buNone/>
+                      </a:pPr>
+                      <a:endParaRPr lang="en-US"/>
+                    </a:p>
+                  </a:txBody>
+                  <a:tcPr/>
+                </a:tc>
+                <a:tc>
+                  <a:txBody>
+                    <a:bodyPr/>
+                    <a:p>
+                      <a:pPr>
+                        <a:buNone/>
+                      </a:pPr>
+                      <a:endParaRPr lang="en-US"/>
+                    </a:p>
+                  </a:txBody>
+                  <a:tcPr/>
+                </a:tc>
+                <a:tc>
+                  <a:txBody>
+                    <a:bodyPr/>
+                    <a:p>
+                      <a:pPr>
+                        <a:buNone/>
+                      </a:pPr>
+                      <a:endParaRPr lang="en-US"/>
+                    </a:p>
+                  </a:txBody>
+                  <a:tcPr/>
+                </a:tc>
+              </a:tr>
+              <a:tr h="381000">
+                <a:tc>
+                  <a:txBody>
+                    <a:bodyPr/>
+                    <a:p>
+                      <a:pPr>
+                        <a:buNone/>
+                      </a:pPr>
+                      <a:r>
+                        <a:rPr lang="" altLang="en-US"/>
+                        <a:t>基因2</a:t>
+                      </a:r>
+                      <a:endParaRPr lang="" altLang="en-US"/>
+                    </a:p>
+                  </a:txBody>
+                  <a:tcPr/>
+                </a:tc>
+                <a:tc>
+                  <a:txBody>
+                    <a:bodyPr/>
+                    <a:p>
+                      <a:pPr>
+                        <a:buNone/>
+                      </a:pPr>
+                      <a:endParaRPr lang="en-US"/>
+                    </a:p>
+                  </a:txBody>
+                  <a:tcPr/>
+                </a:tc>
+                <a:tc>
+                  <a:txBody>
+                    <a:bodyPr/>
+                    <a:p>
+                      <a:pPr>
+                        <a:buNone/>
+                      </a:pPr>
+                      <a:endParaRPr lang="en-US"/>
+                    </a:p>
+                  </a:txBody>
+                  <a:tcPr/>
+                </a:tc>
+                <a:tc>
+                  <a:txBody>
+                    <a:bodyPr/>
+                    <a:p>
+                      <a:pPr>
+                        <a:buNone/>
+                      </a:pPr>
+                      <a:endParaRPr lang="en-US"/>
+                    </a:p>
+                  </a:txBody>
+                  <a:tcPr/>
+                </a:tc>
+                <a:tc>
+                  <a:txBody>
+                    <a:bodyPr/>
+                    <a:p>
+                      <a:pPr>
+                        <a:buNone/>
+                      </a:pPr>
+                      <a:endParaRPr lang="en-US"/>
+                    </a:p>
+                  </a:txBody>
+                  <a:tcPr/>
+                </a:tc>
+                <a:tc>
+                  <a:txBody>
+                    <a:bodyPr/>
+                    <a:p>
+                      <a:pPr>
+                        <a:buNone/>
+                      </a:pPr>
+                      <a:endParaRPr lang="en-US"/>
+                    </a:p>
+                  </a:txBody>
+                  <a:tcPr/>
+                </a:tc>
+                <a:tc>
+                  <a:txBody>
+                    <a:bodyPr/>
+                    <a:p>
+                      <a:pPr>
+                        <a:buNone/>
+                      </a:pPr>
+                      <a:endParaRPr lang="en-US"/>
+                    </a:p>
+                  </a:txBody>
+                  <a:tcPr/>
+                </a:tc>
+              </a:tr>
+              <a:tr h="381000">
+                <a:tc>
+                  <a:txBody>
+                    <a:bodyPr/>
+                    <a:p>
+                      <a:pPr>
+                        <a:buNone/>
+                      </a:pPr>
+                      <a:r>
+                        <a:rPr lang="en-US" altLang="en-US" sz="1800">
+                          <a:sym typeface="+mn-ea"/>
+                        </a:rPr>
+                        <a:t>基因</a:t>
+                      </a:r>
+                      <a:r>
+                        <a:rPr lang="" altLang="en-US" sz="1800">
+                          <a:sym typeface="+mn-ea"/>
+                        </a:rPr>
+                        <a:t>...</a:t>
+                      </a:r>
+                      <a:endParaRPr lang="" altLang="en-US" sz="1800">
+                        <a:sym typeface="+mn-ea"/>
+                      </a:endParaRPr>
+                    </a:p>
+                  </a:txBody>
+                  <a:tcPr/>
+                </a:tc>
+                <a:tc>
+                  <a:txBody>
+                    <a:bodyPr/>
+                    <a:p>
+                      <a:pPr>
+                        <a:buNone/>
+                      </a:pPr>
+                      <a:endParaRPr lang="en-US"/>
+                    </a:p>
+                  </a:txBody>
+                  <a:tcPr/>
+                </a:tc>
+                <a:tc>
+                  <a:txBody>
+                    <a:bodyPr/>
+                    <a:p>
+                      <a:pPr>
+                        <a:buNone/>
+                      </a:pPr>
+                      <a:endParaRPr lang="en-US"/>
+                    </a:p>
+                  </a:txBody>
+                  <a:tcPr/>
+                </a:tc>
+                <a:tc>
+                  <a:txBody>
+                    <a:bodyPr/>
+                    <a:p>
+                      <a:pPr>
+                        <a:buNone/>
+                      </a:pPr>
+                      <a:endParaRPr lang="en-US"/>
+                    </a:p>
+                  </a:txBody>
+                  <a:tcPr/>
+                </a:tc>
+                <a:tc>
+                  <a:txBody>
+                    <a:bodyPr/>
+                    <a:p>
+                      <a:pPr>
+                        <a:buNone/>
+                      </a:pPr>
+                      <a:endParaRPr lang="en-US"/>
+                    </a:p>
+                  </a:txBody>
+                  <a:tcPr/>
+                </a:tc>
+                <a:tc>
+                  <a:txBody>
+                    <a:bodyPr/>
+                    <a:p>
+                      <a:pPr>
+                        <a:buNone/>
+                      </a:pPr>
+                      <a:endParaRPr lang="en-US"/>
+                    </a:p>
+                  </a:txBody>
+                  <a:tcPr/>
+                </a:tc>
+                <a:tc>
+                  <a:txBody>
+                    <a:bodyPr/>
+                    <a:p>
+                      <a:pPr>
+                        <a:buNone/>
+                      </a:pPr>
+                      <a:endParaRPr lang="en-US"/>
+                    </a:p>
+                  </a:txBody>
+                  <a:tcPr/>
+                </a:tc>
+              </a:tr>
+              <a:tr h="381000">
+                <a:tc>
+                  <a:txBody>
+                    <a:bodyPr/>
+                    <a:p>
+                      <a:pPr>
+                        <a:buNone/>
+                      </a:pPr>
+                      <a:r>
+                        <a:rPr lang="en-US" altLang="en-US" sz="1800">
+                          <a:sym typeface="+mn-ea"/>
+                        </a:rPr>
+                        <a:t>基因</a:t>
+                      </a:r>
+                      <a:r>
+                        <a:rPr lang="" altLang="en-US" sz="1800">
+                          <a:sym typeface="+mn-ea"/>
+                        </a:rPr>
+                        <a:t>i</a:t>
+                      </a:r>
+                      <a:endParaRPr lang="" altLang="en-US" sz="1800">
+                        <a:sym typeface="+mn-ea"/>
+                      </a:endParaRPr>
+                    </a:p>
+                  </a:txBody>
+                  <a:tcPr/>
+                </a:tc>
+                <a:tc>
+                  <a:txBody>
+                    <a:bodyPr/>
+                    <a:p>
+                      <a:pPr>
+                        <a:buNone/>
+                      </a:pPr>
+                      <a:endParaRPr lang="en-US"/>
+                    </a:p>
+                  </a:txBody>
+                  <a:tcPr/>
+                </a:tc>
+                <a:tc>
+                  <a:txBody>
+                    <a:bodyPr/>
+                    <a:p>
+                      <a:pPr>
+                        <a:buNone/>
+                      </a:pPr>
+                      <a:endParaRPr lang="en-US"/>
+                    </a:p>
+                  </a:txBody>
+                  <a:tcPr/>
+                </a:tc>
+                <a:tc>
+                  <a:txBody>
+                    <a:bodyPr/>
+                    <a:p>
+                      <a:pPr>
+                        <a:buNone/>
+                      </a:pPr>
+                      <a:endParaRPr lang="en-US"/>
+                    </a:p>
+                  </a:txBody>
+                  <a:tcPr/>
+                </a:tc>
+                <a:tc>
+                  <a:txBody>
+                    <a:bodyPr/>
+                    <a:p>
+                      <a:pPr>
+                        <a:buNone/>
+                      </a:pPr>
+                      <a:endParaRPr lang="en-US"/>
+                    </a:p>
+                  </a:txBody>
+                  <a:tcPr/>
+                </a:tc>
+                <a:tc>
+                  <a:txBody>
+                    <a:bodyPr/>
+                    <a:p>
+                      <a:pPr>
+                        <a:buNone/>
+                      </a:pPr>
+                      <a:endParaRPr lang="en-US"/>
+                    </a:p>
+                  </a:txBody>
+                  <a:tcPr/>
+                </a:tc>
+                <a:tc>
+                  <a:txBody>
+                    <a:bodyPr/>
+                    <a:p>
+                      <a:pPr>
+                        <a:buNone/>
+                      </a:pPr>
+                      <a:endParaRPr lang="en-US"/>
+                    </a:p>
+                  </a:txBody>
+                  <a:tcPr/>
+                </a:tc>
+              </a:tr>
+              <a:tr h="381000">
+                <a:tc>
+                  <a:txBody>
+                    <a:bodyPr/>
+                    <a:p>
+                      <a:pPr>
+                        <a:buNone/>
+                      </a:pPr>
+                      <a:r>
+                        <a:rPr lang="en-US" altLang="en-US" sz="1800">
+                          <a:sym typeface="+mn-ea"/>
+                        </a:rPr>
+                        <a:t>基因</a:t>
+                      </a:r>
+                      <a:r>
+                        <a:rPr lang="" altLang="en-US" sz="1800">
+                          <a:sym typeface="+mn-ea"/>
+                        </a:rPr>
+                        <a:t>...</a:t>
+                      </a:r>
+                      <a:endParaRPr lang="" altLang="en-US" sz="1800">
+                        <a:sym typeface="+mn-ea"/>
+                      </a:endParaRPr>
+                    </a:p>
+                  </a:txBody>
+                  <a:tcPr/>
+                </a:tc>
+                <a:tc>
+                  <a:txBody>
+                    <a:bodyPr/>
+                    <a:p>
+                      <a:pPr>
+                        <a:buNone/>
+                      </a:pPr>
+                      <a:endParaRPr lang="en-US"/>
+                    </a:p>
+                  </a:txBody>
+                  <a:tcPr/>
+                </a:tc>
+                <a:tc>
+                  <a:txBody>
+                    <a:bodyPr/>
+                    <a:p>
+                      <a:pPr>
+                        <a:buNone/>
+                      </a:pPr>
+                      <a:endParaRPr lang="en-US"/>
+                    </a:p>
+                  </a:txBody>
+                  <a:tcPr/>
+                </a:tc>
+                <a:tc>
+                  <a:txBody>
+                    <a:bodyPr/>
+                    <a:p>
+                      <a:pPr>
+                        <a:buNone/>
+                      </a:pPr>
+                      <a:endParaRPr lang="en-US"/>
+                    </a:p>
+                  </a:txBody>
+                  <a:tcPr/>
+                </a:tc>
+                <a:tc>
+                  <a:txBody>
+                    <a:bodyPr/>
+                    <a:p>
+                      <a:pPr>
+                        <a:buNone/>
+                      </a:pPr>
+                      <a:endParaRPr lang="en-US"/>
+                    </a:p>
+                  </a:txBody>
+                  <a:tcPr/>
+                </a:tc>
+                <a:tc>
+                  <a:txBody>
+                    <a:bodyPr/>
+                    <a:p>
+                      <a:pPr>
+                        <a:buNone/>
+                      </a:pPr>
+                      <a:endParaRPr lang="en-US"/>
+                    </a:p>
+                  </a:txBody>
+                  <a:tcPr/>
+                </a:tc>
+                <a:tc>
+                  <a:txBody>
+                    <a:bodyPr/>
+                    <a:p>
+                      <a:pPr>
+                        <a:buNone/>
+                      </a:pPr>
+                      <a:endParaRPr lang="en-US"/>
+                    </a:p>
+                  </a:txBody>
+                  <a:tcPr/>
+                </a:tc>
+              </a:tr>
+              <a:tr h="381000">
+                <a:tc>
+                  <a:txBody>
+                    <a:bodyPr/>
+                    <a:p>
+                      <a:pPr>
+                        <a:buNone/>
+                      </a:pPr>
+                      <a:r>
+                        <a:rPr lang="en-US" altLang="en-US" sz="1800">
+                          <a:sym typeface="+mn-ea"/>
+                        </a:rPr>
+                        <a:t>基因</a:t>
+                      </a:r>
+                      <a:r>
+                        <a:rPr lang="" altLang="en-US" sz="1800">
+                          <a:sym typeface="+mn-ea"/>
+                        </a:rPr>
+                        <a:t>n</a:t>
+                      </a:r>
+                      <a:endParaRPr lang="" altLang="en-US" sz="1800">
+                        <a:sym typeface="+mn-ea"/>
+                      </a:endParaRPr>
+                    </a:p>
+                  </a:txBody>
+                  <a:tcPr/>
+                </a:tc>
+                <a:tc>
+                  <a:txBody>
+                    <a:bodyPr/>
+                    <a:p>
+                      <a:pPr>
+                        <a:buNone/>
+                      </a:pPr>
+                      <a:endParaRPr lang="en-US"/>
+                    </a:p>
+                  </a:txBody>
+                  <a:tcPr/>
+                </a:tc>
+                <a:tc>
+                  <a:txBody>
+                    <a:bodyPr/>
+                    <a:p>
+                      <a:pPr>
+                        <a:buNone/>
+                      </a:pPr>
+                      <a:endParaRPr lang="en-US"/>
+                    </a:p>
+                  </a:txBody>
+                  <a:tcPr/>
+                </a:tc>
+                <a:tc>
+                  <a:txBody>
+                    <a:bodyPr/>
+                    <a:p>
+                      <a:pPr>
+                        <a:buNone/>
+                      </a:pPr>
+                      <a:endParaRPr lang="en-US"/>
+                    </a:p>
+                  </a:txBody>
+                  <a:tcPr/>
+                </a:tc>
+                <a:tc>
+                  <a:txBody>
+                    <a:bodyPr/>
+                    <a:p>
+                      <a:pPr>
+                        <a:buNone/>
+                      </a:pPr>
+                      <a:endParaRPr lang="en-US"/>
+                    </a:p>
+                  </a:txBody>
+                  <a:tcPr/>
+                </a:tc>
+                <a:tc>
+                  <a:txBody>
+                    <a:bodyPr/>
+                    <a:p>
+                      <a:pPr>
+                        <a:buNone/>
+                      </a:pPr>
+                      <a:endParaRPr lang="en-US"/>
+                    </a:p>
+                  </a:txBody>
+                  <a:tcPr/>
+                </a:tc>
+                <a:tc>
+                  <a:txBody>
+                    <a:bodyPr/>
+                    <a:p>
+                      <a:pPr>
+                        <a:buNone/>
+                      </a:pPr>
+                      <a:endParaRPr lang="en-US"/>
+                    </a:p>
+                  </a:txBody>
+                  <a:tcPr/>
+                </a:tc>
+              </a:tr>
+            </a:tbl>
+          </a:graphicData>
+        </a:graphic>
+      </p:graphicFrame>
     </p:spTree>
   </p:cSld>
   <p:clrMapOvr>
